--- a/NAIST STELLA 2023 Poster Template.pptx
+++ b/NAIST STELLA 2023 Poster Template.pptx
@@ -3791,7 +3791,7 @@
                 </a:solidFill>
                 <a:ea typeface="游ゴシック"/>
               </a:rPr>
-              <a:t>機械工学の四力学は，過去に原体験がなく想起しずらい現象を主に扱う分野である．</a:t>
+              <a:t>機械工学の四力学は、過去に原体験がなく想起しずらい現象を主に扱う分野である。</a:t>
             </a:r>
             <a:br>
               <a:rPr lang="en-US" altLang="ja-JP" sz="1000" b="1" dirty="0">
@@ -3808,7 +3808,7 @@
                 </a:solidFill>
                 <a:ea typeface="游ゴシック"/>
               </a:rPr>
-              <a:t>したがって，類似研究</a:t>
+              <a:t>したがって、類似研究</a:t>
             </a:r>
             <a:r>
               <a:rPr lang="en-US" altLang="ja-JP" sz="1000" b="1" baseline="30000" dirty="0">
@@ -3826,7 +3826,7 @@
                 </a:solidFill>
                 <a:ea typeface="游ゴシック"/>
               </a:rPr>
-              <a:t>ではその欠点を克服するための可視化技術が検討されているが，機械工学の教育に特化した可視化技術の開発は未だ行われていない。</a:t>
+              <a:t>ではその欠点を克服するための可視化技術が検討されているが、機械工学の教育に特化した可視化技術の開発は未だ行われていない。</a:t>
             </a:r>
             <a:endParaRPr lang="en-US" altLang="ja-JP" sz="1000" b="1" dirty="0">
               <a:solidFill>
@@ -3851,7 +3851,7 @@
                 </a:solidFill>
                 <a:ea typeface="游ゴシック"/>
               </a:rPr>
-              <a:t>そこで，機械工学の 四力学の理解の促進を目的としたイメージ体験により，四力学への理解と機械工学の裾野を広げるアプリケ ーションの開発を </a:t>
+              <a:t>そこで、機械工学の 四力学の理解の促進を目的としたイメージ体験により、四力学への理解と機械工学の裾野を広げるアプリケ ーションの開発を </a:t>
             </a:r>
             <a:r>
               <a:rPr lang="en" altLang="ja-JP" sz="1000" b="1" dirty="0">
@@ -3869,17 +3869,14 @@
                 </a:solidFill>
                 <a:ea typeface="游ゴシック"/>
               </a:rPr>
-              <a:t>技術の視点から検討する</a:t>
-            </a:r>
-            <a:r>
-              <a:rPr lang="en-US" altLang="ja-JP" sz="1000" b="1" dirty="0">
-                <a:solidFill>
-                  <a:schemeClr val="dk1"/>
-                </a:solidFill>
-                <a:ea typeface="游ゴシック"/>
-              </a:rPr>
-              <a:t>. </a:t>
-            </a:r>
+              <a:t>技術の視点から検討する。</a:t>
+            </a:r>
+            <a:endParaRPr lang="en-US" altLang="ja-JP" sz="1000" b="1" dirty="0">
+              <a:solidFill>
+                <a:schemeClr val="dk1"/>
+              </a:solidFill>
+              <a:ea typeface="游ゴシック"/>
+            </a:endParaRPr>
           </a:p>
           <a:p>
             <a:pPr>
@@ -4070,7 +4067,7 @@
               <a:rPr lang="ja-JP" altLang="en-US" sz="900">
                 <a:ea typeface="游ゴシック"/>
               </a:rPr>
-              <a:t>機械工学の熱，流体，材料，機械力学（以下四力学）の数値解析結果の可視化にヘッドマウンテッドディスプレイ（以下HMD)</a:t>
+              <a:t>機械工学の熱、流体、材料、機械力学（以下四力学）の数値解析結果の可視化にヘッドマウンテッドディスプレイ（以下HMD)</a:t>
             </a:r>
             <a:endParaRPr lang="en-US" altLang="ja-JP" sz="900" dirty="0">
               <a:ea typeface="游ゴシック"/>
@@ -4090,7 +4087,7 @@
               <a:rPr lang="ja-JP" altLang="en-US" sz="900">
                 <a:ea typeface="游ゴシック"/>
               </a:rPr>
-              <a:t>やスマートフォンの拡張現実機能を利用し，より明細で理解しやすい可視化手法を開発する．</a:t>
+              <a:t>やスマートフォンの拡張現実機能を利用し、より明細で理解しやすい可視化手法を開発する。</a:t>
             </a:r>
             <a:br>
               <a:rPr lang="en-US" altLang="ja-JP" sz="900" dirty="0">
@@ -4101,7 +4098,7 @@
               <a:rPr lang="ja-JP" altLang="en-US" sz="900">
                 <a:ea typeface="游ゴシック"/>
               </a:rPr>
-              <a:t>教育や設計に必要な機能を実装し，デジタルツインを構築する．</a:t>
+              <a:t>教育や設計に必要な機能を実装し，デジタルツインを構築する。</a:t>
             </a:r>
             <a:br>
               <a:rPr lang="en-US" altLang="ja-JP" sz="900" dirty="0">
@@ -4119,7 +4116,7 @@
               <a:rPr lang="ja-JP" altLang="en-US" sz="1200" b="1">
                 <a:ea typeface="游ゴシック"/>
               </a:rPr>
-              <a:t>キーワード：拡張現実感, 複合現実感, 数値解析, 機械工学,HCI</a:t>
+              <a:t>キーワード：拡張現実感,、複合現実感、数値解析、機械工学、HCI</a:t>
             </a:r>
             <a:endParaRPr lang="en-US" sz="1200" b="1" dirty="0">
               <a:latin typeface="Arial" panose="020B0604020202020204" pitchFamily="34" charset="0"/>
@@ -4143,7 +4140,7 @@
         <p:spPr>
           <a:xfrm>
             <a:off x="-29286" y="4697974"/>
-            <a:ext cx="3405600" cy="1994352"/>
+            <a:ext cx="3405600" cy="2179018"/>
           </a:xfrm>
           <a:prstGeom prst="rect">
             <a:avLst/>
@@ -4206,7 +4203,7 @@
                 <a:latin typeface="游ゴシック"/>
                 <a:ea typeface="游ゴシック"/>
               </a:rPr>
-              <a:t>の最適化へと繋げる．</a:t>
+              <a:t>の最適化へと繋げる。</a:t>
             </a:r>
             <a:endParaRPr lang="ja-JP" altLang="en-US" sz="1000" b="1" dirty="0">
               <a:latin typeface="游ゴシック"/>
@@ -4300,7 +4297,7 @@
                 <a:latin typeface="游ゴシック"/>
                 <a:ea typeface="游ゴシック"/>
               </a:rPr>
-              <a:t>早期より専門教科に触れる学生や，一般人への教材とし，機械工学の裾野を広げる．</a:t>
+              <a:t>早期より専門教科に触れる学生や、一般人への教材とし、機械工学の裾野を広げる。</a:t>
             </a:r>
             <a:br>
               <a:rPr lang="en-US" altLang="ja-JP" sz="1000" b="1" dirty="0">
@@ -4454,25 +4451,7 @@
                 </a:solidFill>
                 <a:ea typeface="游ゴシック"/>
               </a:rPr>
-              <a:t>解析の境界条件設定にはXsim</a:t>
-            </a:r>
-            <a:r>
-              <a:rPr lang="en-US" altLang="ja-JP" sz="1000" b="1" dirty="0">
-                <a:solidFill>
-                  <a:schemeClr val="dk1"/>
-                </a:solidFill>
-                <a:ea typeface="游ゴシック"/>
-              </a:rPr>
-              <a:t>,</a:t>
-            </a:r>
-            <a:r>
-              <a:rPr lang="ja-JP" altLang="en-US" sz="1000" b="1">
-                <a:solidFill>
-                  <a:schemeClr val="dk1"/>
-                </a:solidFill>
-                <a:ea typeface="游ゴシック"/>
-              </a:rPr>
-              <a:t>数値解析にはOpenFOAM，可視化にはParaviewを用いた．</a:t>
+              <a:t>解析の境界条件設定にはXsim、数値解析にはOpenFOAM、可視化にはParaviewを用いた。</a:t>
             </a:r>
             <a:br>
               <a:rPr lang="en-US" altLang="ja-JP" sz="1000" b="1" dirty="0">
@@ -4494,7 +4473,7 @@
                 </a:solidFill>
                 <a:ea typeface="游ゴシック"/>
               </a:rPr>
-              <a:t>3Dデータと表面のテクスチャの分離には独自でGoogle Colaboratoryを用いて，カップリングを実装した．</a:t>
+              <a:t>3Dデータと表面のテクスチャの分離には独自でGoogle Colaboratoryを用いて、カップリングを実装した。</a:t>
             </a:r>
             <a:br>
               <a:rPr lang="ja-JP" altLang="en-US" sz="1000" b="1" dirty="0">
@@ -4529,7 +4508,7 @@
                 </a:solidFill>
                 <a:ea typeface="游ゴシック"/>
               </a:rPr>
-              <a:t>を用いて，一部機能の実装には</a:t>
+              <a:t>を用いて、一部機能の実装には</a:t>
             </a:r>
             <a:r>
               <a:rPr lang="en-US" altLang="ja-JP" sz="1000" b="1" dirty="0">
@@ -4547,7 +4526,7 @@
                 </a:solidFill>
                 <a:ea typeface="游ゴシック"/>
               </a:rPr>
-              <a:t>を用いた．</a:t>
+              <a:t>を用いた。</a:t>
             </a:r>
             <a:endParaRPr lang="ja-JP" altLang="en-US" sz="1000" b="1" dirty="0">
               <a:solidFill>
@@ -4604,7 +4583,7 @@
                 </a:solidFill>
                 <a:ea typeface="游ゴシック"/>
               </a:rPr>
-              <a:t>カップリングの実装により，解析結果の可視化データを</a:t>
+              <a:t>カップリングの実装により、解析結果の可視化データを</a:t>
             </a:r>
             <a:r>
               <a:rPr lang="en-US" altLang="ja-JP" sz="1000" b="1" dirty="0">
@@ -4622,7 +4601,7 @@
                 </a:solidFill>
                 <a:ea typeface="游ゴシック"/>
               </a:rPr>
-              <a:t>に入力するまでにかかっていた時間を大幅に削減することができた．</a:t>
+              <a:t>に入力するまでにかかっていた時間を大幅に削減することができた。</a:t>
             </a:r>
             <a:br>
               <a:rPr lang="en-US" altLang="ja-JP" sz="1000" b="1" dirty="0">
@@ -4647,7 +4626,7 @@
                 </a:solidFill>
                 <a:ea typeface="游ゴシック"/>
               </a:rPr>
-              <a:t>また，2023年度日本設計工学会関西支部　研究発表講演会にて口頭発表を行なった</a:t>
+              <a:t>また、2023年度日本設計工学会関西支部　研究発表講演会にて口頭発表を行なった</a:t>
             </a:r>
             <a:r>
               <a:rPr lang="ja-JP" altLang="en-US" sz="1100" b="1">
@@ -4656,7 +4635,7 @@
                 </a:solidFill>
                 <a:ea typeface="游ゴシック"/>
               </a:rPr>
-              <a:t>．</a:t>
+              <a:t>。</a:t>
             </a:r>
             <a:endParaRPr lang="ja-JP" altLang="en-US" sz="1100" b="1">
               <a:solidFill>
@@ -4800,7 +4779,7 @@
                 <a:latin typeface="Arial" panose="020B0604020202020204" pitchFamily="34" charset="0"/>
                 <a:ea typeface="游ゴシック" panose="020B0400000000000000" pitchFamily="50" charset="-128"/>
               </a:rPr>
-              <a:t>学会発表では，多くの方から感想やフィードバックを受けることができた．コロナ禍で進んだリモート教育には，場所や時間を超えた体験の同一性が欠落しており，それらの課題を解決するにはテレイグジスタンスや</a:t>
+              <a:t>学会発表では、多くの方から感想やフィードバックを受けることができた。コロナ禍で進んだリモート教育には、場所や時間を超えた体験の同一性が欠落しており、それらの課題を解決するにはテレイグジスタンスや</a:t>
             </a:r>
             <a:r>
               <a:rPr lang="en-US" altLang="ja-JP" sz="1000" b="1" dirty="0">
@@ -4820,7 +4799,7 @@
                 <a:latin typeface="Arial" panose="020B0604020202020204" pitchFamily="34" charset="0"/>
                 <a:ea typeface="游ゴシック" panose="020B0400000000000000" pitchFamily="50" charset="-128"/>
               </a:rPr>
-              <a:t>技術などで究極の臨場性を提供する必要があると感じた．</a:t>
+              <a:t>技術などで究極の臨場性を提供する必要があると感じた。</a:t>
             </a:r>
             <a:br>
               <a:rPr lang="en-US" altLang="ja-JP" sz="1000" b="1" dirty="0">
@@ -4839,7 +4818,7 @@
                 <a:latin typeface="Arial" panose="020B0604020202020204" pitchFamily="34" charset="0"/>
                 <a:ea typeface="游ゴシック" panose="020B0400000000000000" pitchFamily="50" charset="-128"/>
               </a:rPr>
-              <a:t>これは特に機械工学を学ぶ際に重要であり，遠隔地からでも手を動かして学ぶことのできる技術の確立が必須であると考える．</a:t>
+              <a:t>これは特に機械工学を学ぶ際に重要であり、遠隔地からでも手を動かして学ぶことのできる技術の確立が必須であると考える。</a:t>
             </a:r>
             <a:endParaRPr lang="en-US" altLang="ja-JP" sz="1000" b="1" dirty="0">
               <a:solidFill>
@@ -4887,7 +4866,7 @@
                 <a:latin typeface="Arial" panose="020B0604020202020204" pitchFamily="34" charset="0"/>
                 <a:ea typeface="游ゴシック" panose="020B0400000000000000" pitchFamily="50" charset="-128"/>
               </a:rPr>
-              <a:t>また，リッチなセンサ類が搭載されている</a:t>
+              <a:t>また、リッチなセンサ類が搭載されている</a:t>
             </a:r>
             <a:r>
               <a:rPr lang="en-US" altLang="ja-JP" sz="1000" b="1" dirty="0">
@@ -4907,7 +4886,7 @@
                 <a:latin typeface="Arial" panose="020B0604020202020204" pitchFamily="34" charset="0"/>
                 <a:ea typeface="游ゴシック" panose="020B0400000000000000" pitchFamily="50" charset="-128"/>
               </a:rPr>
-              <a:t>を用いることで複合現実感による没入感のあるデジタルツインを構築することが可能である．</a:t>
+              <a:t>を用いることで複合現実感による没入感のあるデジタルツインを構築することが可能である。</a:t>
             </a:r>
             <a:br>
               <a:rPr lang="en-US" altLang="ja-JP" sz="1000" b="1" dirty="0">
@@ -4926,7 +4905,7 @@
                 <a:latin typeface="Arial" panose="020B0604020202020204" pitchFamily="34" charset="0"/>
                 <a:ea typeface="游ゴシック" panose="020B0400000000000000" pitchFamily="50" charset="-128"/>
               </a:rPr>
-              <a:t>四力学のような物理現象は現実世界との相互作用の中に発現するものであり，複合現実感を用いて解析結果を現実物体に重畳して表示するなどの実装を経ると，新たな形での計算機援用設計ツールとしても威力を発揮しうると考える．</a:t>
+              <a:t>四力学のような物理現象は現実世界との相互作用の中に発現するものであり、複合現実感を用いて解析結果を現実物体に重畳して表示するなどの実装を経ると、新たな形での計算機援用設計ツールとしても威力を発揮しうると考える。</a:t>
             </a:r>
             <a:endParaRPr lang="en-US" altLang="ja-JP" sz="1000" b="1" dirty="0">
               <a:solidFill>
@@ -5866,23 +5845,6 @@
 </file>
 
 <file path=customXml/item1.xml><?xml version="1.0" encoding="utf-8"?>
-<p:properties xmlns:p="http://schemas.microsoft.com/office/2006/metadata/properties" xmlns:xsi="http://www.w3.org/2001/XMLSchema-instance" xmlns:pc="http://schemas.microsoft.com/office/infopath/2007/PartnerControls">
-  <documentManagement>
-    <ReferenceId xmlns="289a74b6-edc9-4052-b101-e704fb8d4a78" xsi:nil="true"/>
-  </documentManagement>
-</p:properties>
-</file>
-
-<file path=customXml/item2.xml><?xml version="1.0" encoding="utf-8"?>
-<?mso-contentType ?>
-<FormTemplates xmlns="http://schemas.microsoft.com/sharepoint/v3/contenttype/forms">
-  <Display>DocumentLibraryForm</Display>
-  <Edit>DocumentLibraryForm</Edit>
-  <New>DocumentLibraryForm</New>
-</FormTemplates>
-</file>
-
-<file path=customXml/item3.xml><?xml version="1.0" encoding="utf-8"?>
 <ct:contentTypeSchema xmlns:ct="http://schemas.microsoft.com/office/2006/metadata/contentType" xmlns:ma="http://schemas.microsoft.com/office/2006/metadata/properties/metaAttributes" ct:_="" ma:_="" ma:contentTypeName="Document" ma:contentTypeID="0x0101009949FC5B3EED1941B36AF1FE76AB9735" ma:contentTypeVersion="7" ma:contentTypeDescription="Create a new document." ma:contentTypeScope="" ma:versionID="0086c3504d52e5ef3769c6f8e2484ed2">
   <xsd:schema xmlns:xsd="http://www.w3.org/2001/XMLSchema" xmlns:xs="http://www.w3.org/2001/XMLSchema" xmlns:p="http://schemas.microsoft.com/office/2006/metadata/properties" xmlns:ns2="289a74b6-edc9-4052-b101-e704fb8d4a78" xmlns:ns3="50ad4304-6899-41bc-87d2-800860613408" targetNamespace="http://schemas.microsoft.com/office/2006/metadata/properties" ma:root="true" ma:fieldsID="5e5c802d6a2b81cf27f7b347fcec84b3" ns2:_="" ns3:_="">
     <xsd:import namespace="289a74b6-edc9-4052-b101-e704fb8d4a78"/>
@@ -6065,25 +6027,24 @@
 </ct:contentTypeSchema>
 </file>
 
-<file path=customXml/itemProps1.xml><?xml version="1.0" encoding="utf-8"?>
-<ds:datastoreItem xmlns:ds="http://schemas.openxmlformats.org/officeDocument/2006/customXml" ds:itemID="{CB97B016-8CA4-4DBA-8A2E-4768FB59EDC7}">
-  <ds:schemaRefs>
-    <ds:schemaRef ds:uri="http://schemas.microsoft.com/office/2006/metadata/properties"/>
-    <ds:schemaRef ds:uri="http://schemas.microsoft.com/office/infopath/2007/PartnerControls"/>
-    <ds:schemaRef ds:uri="289a74b6-edc9-4052-b101-e704fb8d4a78"/>
-  </ds:schemaRefs>
-</ds:datastoreItem>
+<file path=customXml/item2.xml><?xml version="1.0" encoding="utf-8"?>
+<?mso-contentType ?>
+<FormTemplates xmlns="http://schemas.microsoft.com/sharepoint/v3/contenttype/forms">
+  <Display>DocumentLibraryForm</Display>
+  <Edit>DocumentLibraryForm</Edit>
+  <New>DocumentLibraryForm</New>
+</FormTemplates>
 </file>
 
-<file path=customXml/itemProps2.xml><?xml version="1.0" encoding="utf-8"?>
-<ds:datastoreItem xmlns:ds="http://schemas.openxmlformats.org/officeDocument/2006/customXml" ds:itemID="{0DC1BE15-0CAA-4BDA-BF3D-991BBC7049D6}">
-  <ds:schemaRefs>
-    <ds:schemaRef ds:uri="http://schemas.microsoft.com/sharepoint/v3/contenttype/forms"/>
-  </ds:schemaRefs>
-</ds:datastoreItem>
+<file path=customXml/item3.xml><?xml version="1.0" encoding="utf-8"?>
+<p:properties xmlns:p="http://schemas.microsoft.com/office/2006/metadata/properties" xmlns:xsi="http://www.w3.org/2001/XMLSchema-instance" xmlns:pc="http://schemas.microsoft.com/office/infopath/2007/PartnerControls">
+  <documentManagement>
+    <ReferenceId xmlns="289a74b6-edc9-4052-b101-e704fb8d4a78" xsi:nil="true"/>
+  </documentManagement>
+</p:properties>
 </file>
 
-<file path=customXml/itemProps3.xml><?xml version="1.0" encoding="utf-8"?>
+<file path=customXml/itemProps1.xml><?xml version="1.0" encoding="utf-8"?>
 <ds:datastoreItem xmlns:ds="http://schemas.openxmlformats.org/officeDocument/2006/customXml" ds:itemID="{AC93BA29-5F8A-4736-8739-9D143387E831}">
   <ds:schemaRefs>
     <ds:schemaRef ds:uri="http://schemas.microsoft.com/office/2006/metadata/contentType"/>
@@ -6100,4 +6061,22 @@
     <ds:schemaRef ds:uri="http://schemas.microsoft.com/internal/obd"/>
   </ds:schemaRefs>
 </ds:datastoreItem>
+</file>
+
+<file path=customXml/itemProps2.xml><?xml version="1.0" encoding="utf-8"?>
+<ds:datastoreItem xmlns:ds="http://schemas.openxmlformats.org/officeDocument/2006/customXml" ds:itemID="{0DC1BE15-0CAA-4BDA-BF3D-991BBC7049D6}">
+  <ds:schemaRefs>
+    <ds:schemaRef ds:uri="http://schemas.microsoft.com/sharepoint/v3/contenttype/forms"/>
+  </ds:schemaRefs>
+</ds:datastoreItem>
+</file>
+
+<file path=customXml/itemProps3.xml><?xml version="1.0" encoding="utf-8"?>
+<ds:datastoreItem xmlns:ds="http://schemas.openxmlformats.org/officeDocument/2006/customXml" ds:itemID="{CB97B016-8CA4-4DBA-8A2E-4768FB59EDC7}">
+  <ds:schemaRefs>
+    <ds:schemaRef ds:uri="http://schemas.microsoft.com/office/2006/metadata/properties"/>
+    <ds:schemaRef ds:uri="http://schemas.microsoft.com/office/infopath/2007/PartnerControls"/>
+    <ds:schemaRef ds:uri="289a74b6-edc9-4052-b101-e704fb8d4a78"/>
+  </ds:schemaRefs>
+</ds:datastoreItem>
 </file>